--- a/queries.pptx
+++ b/queries.pptx
@@ -10,6 +10,8 @@
     <p:sldId id="258" r:id="rId4"/>
     <p:sldId id="259" r:id="rId5"/>
     <p:sldId id="260" r:id="rId6"/>
+    <p:sldId id="261" r:id="rId7"/>
+    <p:sldId id="262" r:id="rId8"/>
   </p:sldIdLst>
   <p:sldSz cx="12192000" cy="6858000"/>
   <p:notesSz cx="6858000" cy="9144000"/>
@@ -108,6 +110,11 @@
       </a:defRPr>
     </a:lvl9pPr>
   </p:defaultTextStyle>
+  <p:extLst>
+    <p:ext uri="{EFAFB233-063F-42B5-8137-9DF3F51BA10A}">
+      <p15:sldGuideLst xmlns:p15="http://schemas.microsoft.com/office/powerpoint/2012/main"/>
+    </p:ext>
+  </p:extLst>
 </p:presentation>
 </file>
 
@@ -242,7 +249,7 @@
           <a:p>
             <a:fld id="{E85975D6-19B9-45E3-BB6D-56A389A23543}" type="datetimeFigureOut">
               <a:rPr lang="en-US" smtClean="0"/>
-              <a:t>12/19/2022</a:t>
+              <a:t>12/20/2022</a:t>
             </a:fld>
             <a:endParaRPr lang="en-US"/>
           </a:p>
@@ -412,7 +419,7 @@
           <a:p>
             <a:fld id="{E85975D6-19B9-45E3-BB6D-56A389A23543}" type="datetimeFigureOut">
               <a:rPr lang="en-US" smtClean="0"/>
-              <a:t>12/19/2022</a:t>
+              <a:t>12/20/2022</a:t>
             </a:fld>
             <a:endParaRPr lang="en-US"/>
           </a:p>
@@ -592,7 +599,7 @@
           <a:p>
             <a:fld id="{E85975D6-19B9-45E3-BB6D-56A389A23543}" type="datetimeFigureOut">
               <a:rPr lang="en-US" smtClean="0"/>
-              <a:t>12/19/2022</a:t>
+              <a:t>12/20/2022</a:t>
             </a:fld>
             <a:endParaRPr lang="en-US"/>
           </a:p>
@@ -762,7 +769,7 @@
           <a:p>
             <a:fld id="{E85975D6-19B9-45E3-BB6D-56A389A23543}" type="datetimeFigureOut">
               <a:rPr lang="en-US" smtClean="0"/>
-              <a:t>12/19/2022</a:t>
+              <a:t>12/20/2022</a:t>
             </a:fld>
             <a:endParaRPr lang="en-US"/>
           </a:p>
@@ -1008,7 +1015,7 @@
           <a:p>
             <a:fld id="{E85975D6-19B9-45E3-BB6D-56A389A23543}" type="datetimeFigureOut">
               <a:rPr lang="en-US" smtClean="0"/>
-              <a:t>12/19/2022</a:t>
+              <a:t>12/20/2022</a:t>
             </a:fld>
             <a:endParaRPr lang="en-US"/>
           </a:p>
@@ -1240,7 +1247,7 @@
           <a:p>
             <a:fld id="{E85975D6-19B9-45E3-BB6D-56A389A23543}" type="datetimeFigureOut">
               <a:rPr lang="en-US" smtClean="0"/>
-              <a:t>12/19/2022</a:t>
+              <a:t>12/20/2022</a:t>
             </a:fld>
             <a:endParaRPr lang="en-US"/>
           </a:p>
@@ -1607,7 +1614,7 @@
           <a:p>
             <a:fld id="{E85975D6-19B9-45E3-BB6D-56A389A23543}" type="datetimeFigureOut">
               <a:rPr lang="en-US" smtClean="0"/>
-              <a:t>12/19/2022</a:t>
+              <a:t>12/20/2022</a:t>
             </a:fld>
             <a:endParaRPr lang="en-US"/>
           </a:p>
@@ -1725,7 +1732,7 @@
           <a:p>
             <a:fld id="{E85975D6-19B9-45E3-BB6D-56A389A23543}" type="datetimeFigureOut">
               <a:rPr lang="en-US" smtClean="0"/>
-              <a:t>12/19/2022</a:t>
+              <a:t>12/20/2022</a:t>
             </a:fld>
             <a:endParaRPr lang="en-US"/>
           </a:p>
@@ -1820,7 +1827,7 @@
           <a:p>
             <a:fld id="{E85975D6-19B9-45E3-BB6D-56A389A23543}" type="datetimeFigureOut">
               <a:rPr lang="en-US" smtClean="0"/>
-              <a:t>12/19/2022</a:t>
+              <a:t>12/20/2022</a:t>
             </a:fld>
             <a:endParaRPr lang="en-US"/>
           </a:p>
@@ -2097,7 +2104,7 @@
           <a:p>
             <a:fld id="{E85975D6-19B9-45E3-BB6D-56A389A23543}" type="datetimeFigureOut">
               <a:rPr lang="en-US" smtClean="0"/>
-              <a:t>12/19/2022</a:t>
+              <a:t>12/20/2022</a:t>
             </a:fld>
             <a:endParaRPr lang="en-US"/>
           </a:p>
@@ -2350,7 +2357,7 @@
           <a:p>
             <a:fld id="{E85975D6-19B9-45E3-BB6D-56A389A23543}" type="datetimeFigureOut">
               <a:rPr lang="en-US" smtClean="0"/>
-              <a:t>12/19/2022</a:t>
+              <a:t>12/20/2022</a:t>
             </a:fld>
             <a:endParaRPr lang="en-US"/>
           </a:p>
@@ -2563,7 +2570,7 @@
           <a:p>
             <a:fld id="{E85975D6-19B9-45E3-BB6D-56A389A23543}" type="datetimeFigureOut">
               <a:rPr lang="en-US" smtClean="0"/>
-              <a:t>12/19/2022</a:t>
+              <a:t>12/20/2022</a:t>
             </a:fld>
             <a:endParaRPr lang="en-US"/>
           </a:p>
@@ -3332,6 +3339,170 @@
 </p:sld>
 </file>
 
+<file path=ppt/slides/slide6.xml><?xml version="1.0" encoding="utf-8"?>
+<p:sld xmlns:a="http://schemas.openxmlformats.org/drawingml/2006/main" xmlns:r="http://schemas.openxmlformats.org/officeDocument/2006/relationships" xmlns:p="http://schemas.openxmlformats.org/presentationml/2006/main">
+  <p:cSld>
+    <p:spTree>
+      <p:nvGrpSpPr>
+        <p:cNvPr id="1" name=""/>
+        <p:cNvGrpSpPr/>
+        <p:nvPr/>
+      </p:nvGrpSpPr>
+      <p:grpSpPr>
+        <a:xfrm>
+          <a:off x="0" y="0"/>
+          <a:ext cx="0" cy="0"/>
+          <a:chOff x="0" y="0"/>
+          <a:chExt cx="0" cy="0"/>
+        </a:xfrm>
+      </p:grpSpPr>
+      <p:sp>
+        <p:nvSpPr>
+          <p:cNvPr id="2" name="Title 1"/>
+          <p:cNvSpPr>
+            <a:spLocks noGrp="1"/>
+          </p:cNvSpPr>
+          <p:nvPr>
+            <p:ph type="title"/>
+          </p:nvPr>
+        </p:nvSpPr>
+        <p:spPr/>
+        <p:txBody>
+          <a:bodyPr/>
+          <a:lstStyle/>
+          <a:p>
+            <a:r>
+              <a:rPr lang="en-US" dirty="0" smtClean="0"/>
+              <a:t>5.</a:t>
+            </a:r>
+            <a:endParaRPr lang="en-US" dirty="0"/>
+          </a:p>
+        </p:txBody>
+      </p:sp>
+      <p:pic>
+        <p:nvPicPr>
+          <p:cNvPr id="4" name="Content Placeholder 3"/>
+          <p:cNvPicPr>
+            <a:picLocks noGrp="1" noChangeAspect="1"/>
+          </p:cNvPicPr>
+          <p:nvPr>
+            <p:ph idx="1"/>
+          </p:nvPr>
+        </p:nvPicPr>
+        <p:blipFill>
+          <a:blip r:embed="rId2">
+            <a:extLst>
+              <a:ext uri="{28A0092B-C50C-407E-A947-70E740481C1C}">
+                <a14:useLocalDpi xmlns:a14="http://schemas.microsoft.com/office/drawing/2010/main" val="0"/>
+              </a:ext>
+            </a:extLst>
+          </a:blip>
+          <a:stretch>
+            <a:fillRect/>
+          </a:stretch>
+        </p:blipFill>
+        <p:spPr>
+          <a:xfrm>
+            <a:off x="1751527" y="1429555"/>
+            <a:ext cx="7798347" cy="4747408"/>
+          </a:xfrm>
+        </p:spPr>
+      </p:pic>
+    </p:spTree>
+    <p:extLst>
+      <p:ext uri="{BB962C8B-B14F-4D97-AF65-F5344CB8AC3E}">
+        <p14:creationId xmlns:p14="http://schemas.microsoft.com/office/powerpoint/2010/main" val="2178998103"/>
+      </p:ext>
+    </p:extLst>
+  </p:cSld>
+  <p:clrMapOvr>
+    <a:masterClrMapping/>
+  </p:clrMapOvr>
+</p:sld>
+</file>
+
+<file path=ppt/slides/slide7.xml><?xml version="1.0" encoding="utf-8"?>
+<p:sld xmlns:a="http://schemas.openxmlformats.org/drawingml/2006/main" xmlns:r="http://schemas.openxmlformats.org/officeDocument/2006/relationships" xmlns:p="http://schemas.openxmlformats.org/presentationml/2006/main">
+  <p:cSld>
+    <p:spTree>
+      <p:nvGrpSpPr>
+        <p:cNvPr id="1" name=""/>
+        <p:cNvGrpSpPr/>
+        <p:nvPr/>
+      </p:nvGrpSpPr>
+      <p:grpSpPr>
+        <a:xfrm>
+          <a:off x="0" y="0"/>
+          <a:ext cx="0" cy="0"/>
+          <a:chOff x="0" y="0"/>
+          <a:chExt cx="0" cy="0"/>
+        </a:xfrm>
+      </p:grpSpPr>
+      <p:sp>
+        <p:nvSpPr>
+          <p:cNvPr id="2" name="Title 1"/>
+          <p:cNvSpPr>
+            <a:spLocks noGrp="1"/>
+          </p:cNvSpPr>
+          <p:nvPr>
+            <p:ph type="title"/>
+          </p:nvPr>
+        </p:nvSpPr>
+        <p:spPr/>
+        <p:txBody>
+          <a:bodyPr/>
+          <a:lstStyle/>
+          <a:p>
+            <a:r>
+              <a:rPr lang="en-US" dirty="0" smtClean="0"/>
+              <a:t>6.</a:t>
+            </a:r>
+            <a:endParaRPr lang="en-US" dirty="0"/>
+          </a:p>
+        </p:txBody>
+      </p:sp>
+      <p:pic>
+        <p:nvPicPr>
+          <p:cNvPr id="4" name="Content Placeholder 3"/>
+          <p:cNvPicPr>
+            <a:picLocks noGrp="1" noChangeAspect="1"/>
+          </p:cNvPicPr>
+          <p:nvPr>
+            <p:ph idx="1"/>
+          </p:nvPr>
+        </p:nvPicPr>
+        <p:blipFill>
+          <a:blip r:embed="rId2">
+            <a:extLst>
+              <a:ext uri="{28A0092B-C50C-407E-A947-70E740481C1C}">
+                <a14:useLocalDpi xmlns:a14="http://schemas.microsoft.com/office/drawing/2010/main" val="0"/>
+              </a:ext>
+            </a:extLst>
+          </a:blip>
+          <a:stretch>
+            <a:fillRect/>
+          </a:stretch>
+        </p:blipFill>
+        <p:spPr>
+          <a:xfrm>
+            <a:off x="2112136" y="1339403"/>
+            <a:ext cx="6983034" cy="4837560"/>
+          </a:xfrm>
+        </p:spPr>
+      </p:pic>
+    </p:spTree>
+    <p:extLst>
+      <p:ext uri="{BB962C8B-B14F-4D97-AF65-F5344CB8AC3E}">
+        <p14:creationId xmlns:p14="http://schemas.microsoft.com/office/powerpoint/2010/main" val="2864690462"/>
+      </p:ext>
+    </p:extLst>
+  </p:cSld>
+  <p:clrMapOvr>
+    <a:masterClrMapping/>
+  </p:clrMapOvr>
+</p:sld>
+</file>
+
 <file path=ppt/theme/theme1.xml><?xml version="1.0" encoding="utf-8"?>
 <a:theme xmlns:a="http://schemas.openxmlformats.org/drawingml/2006/main" name="Office Theme">
   <a:themeElements>

--- a/queries.pptx
+++ b/queries.pptx
@@ -12,6 +12,7 @@
     <p:sldId id="260" r:id="rId6"/>
     <p:sldId id="261" r:id="rId7"/>
     <p:sldId id="262" r:id="rId8"/>
+    <p:sldId id="263" r:id="rId9"/>
   </p:sldIdLst>
   <p:sldSz cx="12192000" cy="6858000"/>
   <p:notesSz cx="6858000" cy="9144000"/>
@@ -3503,6 +3504,88 @@
 </p:sld>
 </file>
 
+<file path=ppt/slides/slide8.xml><?xml version="1.0" encoding="utf-8"?>
+<p:sld xmlns:a="http://schemas.openxmlformats.org/drawingml/2006/main" xmlns:r="http://schemas.openxmlformats.org/officeDocument/2006/relationships" xmlns:p="http://schemas.openxmlformats.org/presentationml/2006/main">
+  <p:cSld>
+    <p:spTree>
+      <p:nvGrpSpPr>
+        <p:cNvPr id="1" name=""/>
+        <p:cNvGrpSpPr/>
+        <p:nvPr/>
+      </p:nvGrpSpPr>
+      <p:grpSpPr>
+        <a:xfrm>
+          <a:off x="0" y="0"/>
+          <a:ext cx="0" cy="0"/>
+          <a:chOff x="0" y="0"/>
+          <a:chExt cx="0" cy="0"/>
+        </a:xfrm>
+      </p:grpSpPr>
+      <p:sp>
+        <p:nvSpPr>
+          <p:cNvPr id="2" name="Title 1"/>
+          <p:cNvSpPr>
+            <a:spLocks noGrp="1"/>
+          </p:cNvSpPr>
+          <p:nvPr>
+            <p:ph type="title"/>
+          </p:nvPr>
+        </p:nvSpPr>
+        <p:spPr/>
+        <p:txBody>
+          <a:bodyPr/>
+          <a:lstStyle/>
+          <a:p>
+            <a:r>
+              <a:rPr lang="en-US" dirty="0" smtClean="0"/>
+              <a:t>7.</a:t>
+            </a:r>
+            <a:endParaRPr lang="en-US" dirty="0"/>
+          </a:p>
+        </p:txBody>
+      </p:sp>
+      <p:pic>
+        <p:nvPicPr>
+          <p:cNvPr id="4" name="Content Placeholder 3"/>
+          <p:cNvPicPr>
+            <a:picLocks noGrp="1" noChangeAspect="1"/>
+          </p:cNvPicPr>
+          <p:nvPr>
+            <p:ph idx="1"/>
+          </p:nvPr>
+        </p:nvPicPr>
+        <p:blipFill>
+          <a:blip r:embed="rId2">
+            <a:extLst>
+              <a:ext uri="{28A0092B-C50C-407E-A947-70E740481C1C}">
+                <a14:useLocalDpi xmlns:a14="http://schemas.microsoft.com/office/drawing/2010/main" val="0"/>
+              </a:ext>
+            </a:extLst>
+          </a:blip>
+          <a:stretch>
+            <a:fillRect/>
+          </a:stretch>
+        </p:blipFill>
+        <p:spPr>
+          <a:xfrm>
+            <a:off x="838200" y="1571222"/>
+            <a:ext cx="10515600" cy="4443211"/>
+          </a:xfrm>
+        </p:spPr>
+      </p:pic>
+    </p:spTree>
+    <p:extLst>
+      <p:ext uri="{BB962C8B-B14F-4D97-AF65-F5344CB8AC3E}">
+        <p14:creationId xmlns:p14="http://schemas.microsoft.com/office/powerpoint/2010/main" val="2890203222"/>
+      </p:ext>
+    </p:extLst>
+  </p:cSld>
+  <p:clrMapOvr>
+    <a:masterClrMapping/>
+  </p:clrMapOvr>
+</p:sld>
+</file>
+
 <file path=ppt/theme/theme1.xml><?xml version="1.0" encoding="utf-8"?>
 <a:theme xmlns:a="http://schemas.openxmlformats.org/drawingml/2006/main" name="Office Theme">
   <a:themeElements>

--- a/queries.pptx
+++ b/queries.pptx
@@ -13,6 +13,8 @@
     <p:sldId id="261" r:id="rId7"/>
     <p:sldId id="262" r:id="rId8"/>
     <p:sldId id="263" r:id="rId9"/>
+    <p:sldId id="265" r:id="rId10"/>
+    <p:sldId id="266" r:id="rId11"/>
   </p:sldIdLst>
   <p:sldSz cx="12192000" cy="6858000"/>
   <p:notesSz cx="6858000" cy="9144000"/>
@@ -250,7 +252,7 @@
           <a:p>
             <a:fld id="{E85975D6-19B9-45E3-BB6D-56A389A23543}" type="datetimeFigureOut">
               <a:rPr lang="en-US" smtClean="0"/>
-              <a:t>12/20/2022</a:t>
+              <a:t>12/21/2022</a:t>
             </a:fld>
             <a:endParaRPr lang="en-US"/>
           </a:p>
@@ -420,7 +422,7 @@
           <a:p>
             <a:fld id="{E85975D6-19B9-45E3-BB6D-56A389A23543}" type="datetimeFigureOut">
               <a:rPr lang="en-US" smtClean="0"/>
-              <a:t>12/20/2022</a:t>
+              <a:t>12/21/2022</a:t>
             </a:fld>
             <a:endParaRPr lang="en-US"/>
           </a:p>
@@ -600,7 +602,7 @@
           <a:p>
             <a:fld id="{E85975D6-19B9-45E3-BB6D-56A389A23543}" type="datetimeFigureOut">
               <a:rPr lang="en-US" smtClean="0"/>
-              <a:t>12/20/2022</a:t>
+              <a:t>12/21/2022</a:t>
             </a:fld>
             <a:endParaRPr lang="en-US"/>
           </a:p>
@@ -770,7 +772,7 @@
           <a:p>
             <a:fld id="{E85975D6-19B9-45E3-BB6D-56A389A23543}" type="datetimeFigureOut">
               <a:rPr lang="en-US" smtClean="0"/>
-              <a:t>12/20/2022</a:t>
+              <a:t>12/21/2022</a:t>
             </a:fld>
             <a:endParaRPr lang="en-US"/>
           </a:p>
@@ -1016,7 +1018,7 @@
           <a:p>
             <a:fld id="{E85975D6-19B9-45E3-BB6D-56A389A23543}" type="datetimeFigureOut">
               <a:rPr lang="en-US" smtClean="0"/>
-              <a:t>12/20/2022</a:t>
+              <a:t>12/21/2022</a:t>
             </a:fld>
             <a:endParaRPr lang="en-US"/>
           </a:p>
@@ -1248,7 +1250,7 @@
           <a:p>
             <a:fld id="{E85975D6-19B9-45E3-BB6D-56A389A23543}" type="datetimeFigureOut">
               <a:rPr lang="en-US" smtClean="0"/>
-              <a:t>12/20/2022</a:t>
+              <a:t>12/21/2022</a:t>
             </a:fld>
             <a:endParaRPr lang="en-US"/>
           </a:p>
@@ -1615,7 +1617,7 @@
           <a:p>
             <a:fld id="{E85975D6-19B9-45E3-BB6D-56A389A23543}" type="datetimeFigureOut">
               <a:rPr lang="en-US" smtClean="0"/>
-              <a:t>12/20/2022</a:t>
+              <a:t>12/21/2022</a:t>
             </a:fld>
             <a:endParaRPr lang="en-US"/>
           </a:p>
@@ -1733,7 +1735,7 @@
           <a:p>
             <a:fld id="{E85975D6-19B9-45E3-BB6D-56A389A23543}" type="datetimeFigureOut">
               <a:rPr lang="en-US" smtClean="0"/>
-              <a:t>12/20/2022</a:t>
+              <a:t>12/21/2022</a:t>
             </a:fld>
             <a:endParaRPr lang="en-US"/>
           </a:p>
@@ -1828,7 +1830,7 @@
           <a:p>
             <a:fld id="{E85975D6-19B9-45E3-BB6D-56A389A23543}" type="datetimeFigureOut">
               <a:rPr lang="en-US" smtClean="0"/>
-              <a:t>12/20/2022</a:t>
+              <a:t>12/21/2022</a:t>
             </a:fld>
             <a:endParaRPr lang="en-US"/>
           </a:p>
@@ -2105,7 +2107,7 @@
           <a:p>
             <a:fld id="{E85975D6-19B9-45E3-BB6D-56A389A23543}" type="datetimeFigureOut">
               <a:rPr lang="en-US" smtClean="0"/>
-              <a:t>12/20/2022</a:t>
+              <a:t>12/21/2022</a:t>
             </a:fld>
             <a:endParaRPr lang="en-US"/>
           </a:p>
@@ -2358,7 +2360,7 @@
           <a:p>
             <a:fld id="{E85975D6-19B9-45E3-BB6D-56A389A23543}" type="datetimeFigureOut">
               <a:rPr lang="en-US" smtClean="0"/>
-              <a:t>12/20/2022</a:t>
+              <a:t>12/21/2022</a:t>
             </a:fld>
             <a:endParaRPr lang="en-US"/>
           </a:p>
@@ -2571,7 +2573,7 @@
           <a:p>
             <a:fld id="{E85975D6-19B9-45E3-BB6D-56A389A23543}" type="datetimeFigureOut">
               <a:rPr lang="en-US" smtClean="0"/>
-              <a:t>12/20/2022</a:t>
+              <a:t>12/21/2022</a:t>
             </a:fld>
             <a:endParaRPr lang="en-US"/>
           </a:p>
@@ -3012,6 +3014,196 @@
 </p:sld>
 </file>
 
+<file path=ppt/slides/slide10.xml><?xml version="1.0" encoding="utf-8"?>
+<p:sld xmlns:a="http://schemas.openxmlformats.org/drawingml/2006/main" xmlns:r="http://schemas.openxmlformats.org/officeDocument/2006/relationships" xmlns:p="http://schemas.openxmlformats.org/presentationml/2006/main">
+  <p:cSld>
+    <p:spTree>
+      <p:nvGrpSpPr>
+        <p:cNvPr id="1" name=""/>
+        <p:cNvGrpSpPr/>
+        <p:nvPr/>
+      </p:nvGrpSpPr>
+      <p:grpSpPr>
+        <a:xfrm>
+          <a:off x="0" y="0"/>
+          <a:ext cx="0" cy="0"/>
+          <a:chOff x="0" y="0"/>
+          <a:chExt cx="0" cy="0"/>
+        </a:xfrm>
+      </p:grpSpPr>
+      <p:sp>
+        <p:nvSpPr>
+          <p:cNvPr id="2" name="Title 1"/>
+          <p:cNvSpPr>
+            <a:spLocks noGrp="1"/>
+          </p:cNvSpPr>
+          <p:nvPr>
+            <p:ph type="title"/>
+          </p:nvPr>
+        </p:nvSpPr>
+        <p:spPr/>
+        <p:txBody>
+          <a:bodyPr/>
+          <a:lstStyle/>
+          <a:p>
+            <a:r>
+              <a:rPr lang="en-US" dirty="0" smtClean="0"/>
+              <a:t>9.</a:t>
+            </a:r>
+            <a:endParaRPr lang="en-US" dirty="0"/>
+          </a:p>
+        </p:txBody>
+      </p:sp>
+      <p:sp>
+        <p:nvSpPr>
+          <p:cNvPr id="3" name="Content Placeholder 2"/>
+          <p:cNvSpPr>
+            <a:spLocks noGrp="1"/>
+          </p:cNvSpPr>
+          <p:nvPr>
+            <p:ph idx="1"/>
+          </p:nvPr>
+        </p:nvSpPr>
+        <p:spPr/>
+        <p:txBody>
+          <a:bodyPr>
+            <a:normAutofit fontScale="92500" lnSpcReduction="10000"/>
+          </a:bodyPr>
+          <a:lstStyle/>
+          <a:p>
+            <a:r>
+              <a:rPr lang="en-US" dirty="0" err="1"/>
+              <a:t>REturn</a:t>
+            </a:r>
+            <a:r>
+              <a:rPr lang="en-US" dirty="0"/>
+              <a:t> the name of the person who is born in 22/07/1980 and his education is </a:t>
+            </a:r>
+            <a:r>
+              <a:rPr lang="en-US" dirty="0" err="1"/>
+              <a:t>informatic</a:t>
+            </a:r>
+            <a:r>
+              <a:rPr lang="en-US" dirty="0"/>
+              <a:t> :</a:t>
+            </a:r>
+          </a:p>
+          <a:p>
+            <a:r>
+              <a:rPr lang="en-US" dirty="0"/>
+              <a:t>SELECT ?name ?birthdate ?surname  ?</a:t>
+            </a:r>
+            <a:r>
+              <a:rPr lang="en-US" dirty="0" err="1"/>
+              <a:t>edu</a:t>
+            </a:r>
+            <a:endParaRPr lang="en-US" dirty="0"/>
+          </a:p>
+          <a:p>
+            <a:r>
+              <a:rPr lang="en-US" dirty="0"/>
+              <a:t>  WHERE { </a:t>
+            </a:r>
+          </a:p>
+          <a:p>
+            <a:r>
+              <a:rPr lang="en-US" dirty="0"/>
+              <a:t>                              ?instructor </a:t>
+            </a:r>
+            <a:r>
+              <a:rPr lang="en-US" dirty="0" err="1"/>
+              <a:t>udemy:birthdate</a:t>
+            </a:r>
+            <a:r>
+              <a:rPr lang="en-US" dirty="0"/>
+              <a:t> ?birthdate;</a:t>
+            </a:r>
+          </a:p>
+          <a:p>
+            <a:r>
+              <a:rPr lang="en-US" dirty="0"/>
+              <a:t>                                                     </a:t>
+            </a:r>
+            <a:r>
+              <a:rPr lang="en-US" dirty="0" err="1"/>
+              <a:t>udemy:name</a:t>
+            </a:r>
+            <a:r>
+              <a:rPr lang="en-US" dirty="0"/>
+              <a:t> ?name;</a:t>
+            </a:r>
+          </a:p>
+          <a:p>
+            <a:r>
+              <a:rPr lang="en-US" dirty="0"/>
+              <a:t>                                                     </a:t>
+            </a:r>
+            <a:r>
+              <a:rPr lang="en-US" dirty="0" err="1"/>
+              <a:t>udemy:surname</a:t>
+            </a:r>
+            <a:r>
+              <a:rPr lang="en-US" dirty="0"/>
+              <a:t> ?surname;</a:t>
+            </a:r>
+          </a:p>
+          <a:p>
+            <a:r>
+              <a:rPr lang="en-US" dirty="0"/>
+              <a:t>                                                     </a:t>
+            </a:r>
+            <a:r>
+              <a:rPr lang="en-US" dirty="0" err="1"/>
+              <a:t>udemy:education</a:t>
+            </a:r>
+            <a:r>
+              <a:rPr lang="en-US" dirty="0"/>
+              <a:t> ?</a:t>
+            </a:r>
+            <a:r>
+              <a:rPr lang="en-US" dirty="0" err="1"/>
+              <a:t>edu</a:t>
+            </a:r>
+            <a:r>
+              <a:rPr lang="en-US" dirty="0"/>
+              <a:t>.</a:t>
+            </a:r>
+          </a:p>
+          <a:p>
+            <a:r>
+              <a:rPr lang="en-US" dirty="0"/>
+              <a:t>                              FILTER (?birthdate&gt;"22/07/1980"  &amp;&amp; ?</a:t>
+            </a:r>
+            <a:r>
+              <a:rPr lang="en-US" dirty="0" err="1"/>
+              <a:t>edu</a:t>
+            </a:r>
+            <a:r>
+              <a:rPr lang="en-US" dirty="0"/>
+              <a:t>= 'Informatics' )               </a:t>
+            </a:r>
+          </a:p>
+          <a:p>
+            <a:r>
+              <a:rPr lang="en-US" dirty="0"/>
+              <a:t> }</a:t>
+            </a:r>
+          </a:p>
+        </p:txBody>
+      </p:sp>
+    </p:spTree>
+    <p:extLst>
+      <p:ext uri="{BB962C8B-B14F-4D97-AF65-F5344CB8AC3E}">
+        <p14:creationId xmlns:p14="http://schemas.microsoft.com/office/powerpoint/2010/main" val="444350093"/>
+      </p:ext>
+    </p:extLst>
+  </p:cSld>
+  <p:clrMapOvr>
+    <a:masterClrMapping/>
+  </p:clrMapOvr>
+</p:sld>
+</file>
+
 <file path=ppt/slides/slide2.xml><?xml version="1.0" encoding="utf-8"?>
 <p:sld xmlns:a="http://schemas.openxmlformats.org/drawingml/2006/main" xmlns:r="http://schemas.openxmlformats.org/officeDocument/2006/relationships" xmlns:p="http://schemas.openxmlformats.org/presentationml/2006/main">
   <p:cSld>
@@ -3577,6 +3769,215 @@
     <p:extLst>
       <p:ext uri="{BB962C8B-B14F-4D97-AF65-F5344CB8AC3E}">
         <p14:creationId xmlns:p14="http://schemas.microsoft.com/office/powerpoint/2010/main" val="2890203222"/>
+      </p:ext>
+    </p:extLst>
+  </p:cSld>
+  <p:clrMapOvr>
+    <a:masterClrMapping/>
+  </p:clrMapOvr>
+</p:sld>
+</file>
+
+<file path=ppt/slides/slide9.xml><?xml version="1.0" encoding="utf-8"?>
+<p:sld xmlns:a="http://schemas.openxmlformats.org/drawingml/2006/main" xmlns:r="http://schemas.openxmlformats.org/officeDocument/2006/relationships" xmlns:p="http://schemas.openxmlformats.org/presentationml/2006/main">
+  <p:cSld>
+    <p:spTree>
+      <p:nvGrpSpPr>
+        <p:cNvPr id="1" name=""/>
+        <p:cNvGrpSpPr/>
+        <p:nvPr/>
+      </p:nvGrpSpPr>
+      <p:grpSpPr>
+        <a:xfrm>
+          <a:off x="0" y="0"/>
+          <a:ext cx="0" cy="0"/>
+          <a:chOff x="0" y="0"/>
+          <a:chExt cx="0" cy="0"/>
+        </a:xfrm>
+      </p:grpSpPr>
+      <p:sp>
+        <p:nvSpPr>
+          <p:cNvPr id="2" name="Title 1"/>
+          <p:cNvSpPr>
+            <a:spLocks noGrp="1"/>
+          </p:cNvSpPr>
+          <p:nvPr>
+            <p:ph type="title"/>
+          </p:nvPr>
+        </p:nvSpPr>
+        <p:spPr/>
+        <p:txBody>
+          <a:bodyPr/>
+          <a:lstStyle/>
+          <a:p>
+            <a:r>
+              <a:rPr lang="en-US" dirty="0" smtClean="0"/>
+              <a:t>8.</a:t>
+            </a:r>
+            <a:endParaRPr lang="en-US" dirty="0"/>
+          </a:p>
+        </p:txBody>
+      </p:sp>
+      <p:sp>
+        <p:nvSpPr>
+          <p:cNvPr id="3" name="Content Placeholder 2"/>
+          <p:cNvSpPr>
+            <a:spLocks noGrp="1"/>
+          </p:cNvSpPr>
+          <p:nvPr>
+            <p:ph idx="1"/>
+          </p:nvPr>
+        </p:nvSpPr>
+        <p:spPr/>
+        <p:txBody>
+          <a:bodyPr>
+            <a:normAutofit fontScale="25000" lnSpcReduction="20000"/>
+          </a:bodyPr>
+          <a:lstStyle/>
+          <a:p>
+            <a:r>
+              <a:rPr lang="en-US" sz="11200" dirty="0" smtClean="0"/>
+              <a:t>Return </a:t>
+            </a:r>
+            <a:r>
+              <a:rPr lang="en-US" sz="11200" dirty="0"/>
+              <a:t>information for the person named </a:t>
+            </a:r>
+            <a:r>
+              <a:rPr lang="en-US" sz="11200" dirty="0" err="1"/>
+              <a:t>Davilla</a:t>
+            </a:r>
+            <a:r>
+              <a:rPr lang="en-US" sz="11200" dirty="0"/>
+              <a:t>:</a:t>
+            </a:r>
+          </a:p>
+          <a:p>
+            <a:r>
+              <a:rPr lang="en-US" sz="11200" dirty="0"/>
+              <a:t>SELECT ?name ?birthdate ?surname ?</a:t>
+            </a:r>
+            <a:r>
+              <a:rPr lang="en-US" sz="11200" dirty="0" err="1"/>
+              <a:t>num</a:t>
+            </a:r>
+            <a:endParaRPr lang="en-US" sz="11200" dirty="0"/>
+          </a:p>
+          <a:p>
+            <a:r>
+              <a:rPr lang="en-US" sz="11200" dirty="0"/>
+              <a:t>  WHERE { </a:t>
+            </a:r>
+          </a:p>
+          <a:p>
+            <a:r>
+              <a:rPr lang="en-US" sz="11200" dirty="0"/>
+              <a:t>                              ?instructor </a:t>
+            </a:r>
+            <a:r>
+              <a:rPr lang="en-US" sz="11200" dirty="0" err="1"/>
+              <a:t>udemy:birthdate</a:t>
+            </a:r>
+            <a:r>
+              <a:rPr lang="en-US" sz="11200" dirty="0"/>
+              <a:t> ?birthdate;</a:t>
+            </a:r>
+          </a:p>
+          <a:p>
+            <a:r>
+              <a:rPr lang="en-US" sz="11200" dirty="0"/>
+              <a:t>                                                     </a:t>
+            </a:r>
+            <a:r>
+              <a:rPr lang="en-US" sz="11200" dirty="0" err="1"/>
+              <a:t>udemy:name</a:t>
+            </a:r>
+            <a:r>
+              <a:rPr lang="en-US" sz="11200" dirty="0"/>
+              <a:t> ?name;</a:t>
+            </a:r>
+          </a:p>
+          <a:p>
+            <a:r>
+              <a:rPr lang="en-US" sz="11200" dirty="0"/>
+              <a:t>                                                     </a:t>
+            </a:r>
+            <a:r>
+              <a:rPr lang="en-US" sz="11200" dirty="0" err="1"/>
+              <a:t>udemy:surname</a:t>
+            </a:r>
+            <a:r>
+              <a:rPr lang="en-US" sz="11200" dirty="0"/>
+              <a:t> ?surname;</a:t>
+            </a:r>
+          </a:p>
+          <a:p>
+            <a:r>
+              <a:rPr lang="en-US" sz="11200" dirty="0"/>
+              <a:t>                                                     </a:t>
+            </a:r>
+            <a:r>
+              <a:rPr lang="en-US" sz="11200" dirty="0" err="1"/>
+              <a:t>udemy:numberOFStudents</a:t>
+            </a:r>
+            <a:r>
+              <a:rPr lang="en-US" sz="11200" dirty="0"/>
+              <a:t> ?num.</a:t>
+            </a:r>
+          </a:p>
+          <a:p>
+            <a:r>
+              <a:rPr lang="en-US" sz="11200" dirty="0"/>
+              <a:t>                              FILTER  REGEX(?surname, "</a:t>
+            </a:r>
+            <a:r>
+              <a:rPr lang="en-US" sz="11200" dirty="0" err="1"/>
+              <a:t>Davilla</a:t>
+            </a:r>
+            <a:r>
+              <a:rPr lang="en-US" sz="11200" dirty="0"/>
+              <a:t>")                </a:t>
+            </a:r>
+          </a:p>
+          <a:p>
+            <a:r>
+              <a:rPr lang="en-US" sz="11200" dirty="0"/>
+              <a:t> }</a:t>
+            </a:r>
+          </a:p>
+          <a:p>
+            <a:endParaRPr lang="en-US" dirty="0"/>
+          </a:p>
+          <a:p>
+            <a:endParaRPr lang="en-US" dirty="0" smtClean="0"/>
+          </a:p>
+          <a:p>
+            <a:endParaRPr lang="en-US" dirty="0"/>
+          </a:p>
+          <a:p>
+            <a:endParaRPr lang="en-US" dirty="0" smtClean="0"/>
+          </a:p>
+          <a:p>
+            <a:endParaRPr lang="en-US" dirty="0"/>
+          </a:p>
+          <a:p>
+            <a:endParaRPr lang="en-US" dirty="0" smtClean="0"/>
+          </a:p>
+          <a:p>
+            <a:endParaRPr lang="en-US" dirty="0"/>
+          </a:p>
+          <a:p>
+            <a:endParaRPr lang="en-US" dirty="0" smtClean="0"/>
+          </a:p>
+          <a:p>
+            <a:endParaRPr lang="en-US" dirty="0"/>
+          </a:p>
+        </p:txBody>
+      </p:sp>
+    </p:spTree>
+    <p:extLst>
+      <p:ext uri="{BB962C8B-B14F-4D97-AF65-F5344CB8AC3E}">
+        <p14:creationId xmlns:p14="http://schemas.microsoft.com/office/powerpoint/2010/main" val="2738204283"/>
       </p:ext>
     </p:extLst>
   </p:cSld>
